--- a/Presentation1.pptx
+++ b/Presentation1.pptx
@@ -106,7 +106,110 @@
       </a:defRPr>
     </a:lvl9pPr>
   </p:defaultTextStyle>
+  <p:extLst>
+    <p:ext uri="{EFAFB233-063F-42B5-8137-9DF3F51BA10A}">
+      <p15:sldGuideLst xmlns:p15="http://schemas.microsoft.com/office/powerpoint/2012/main"/>
+    </p:ext>
+  </p:extLst>
 </p:presentation>
+</file>
+
+<file path=ppt/revisionInfo.xml><?xml version="1.0" encoding="utf-8"?>
+<p1510:revInfo xmlns:a="http://schemas.openxmlformats.org/drawingml/2006/main" xmlns:r="http://schemas.openxmlformats.org/officeDocument/2006/relationships" xmlns:p1510="http://schemas.microsoft.com/office/powerpoint/2015/10/main">
+  <p1510:revLst>
+    <p1510:client id="{464534A9-3BEB-4EE7-A02D-9C07002456BC}" v="2" dt="2023-04-04T08:08:10.551"/>
+  </p1510:revLst>
+</p1510:revInfo>
+</file>
+
+<file path=ppt/changesInfos/changesInfo1.xml><?xml version="1.0" encoding="utf-8"?>
+<pc:chgInfo xmlns:a="http://schemas.openxmlformats.org/drawingml/2006/main" xmlns:r="http://schemas.openxmlformats.org/officeDocument/2006/relationships" xmlns:ac="http://schemas.microsoft.com/office/drawing/2013/main/command" xmlns:pc="http://schemas.microsoft.com/office/powerpoint/2013/main/command">
+  <pc:docChgLst>
+    <pc:chgData name="Kannan, Kalaipriya" userId="e2fc44d1-af49-4044-9dcd-2416851503a8" providerId="ADAL" clId="{464534A9-3BEB-4EE7-A02D-9C07002456BC}"/>
+    <pc:docChg chg="undo custSel addSld delSld modSld">
+      <pc:chgData name="Kannan, Kalaipriya" userId="e2fc44d1-af49-4044-9dcd-2416851503a8" providerId="ADAL" clId="{464534A9-3BEB-4EE7-A02D-9C07002456BC}" dt="2023-04-04T08:09:40.679" v="24" actId="2890"/>
+      <pc:docMkLst>
+        <pc:docMk/>
+      </pc:docMkLst>
+      <pc:sldChg chg="addSp modSp mod">
+        <pc:chgData name="Kannan, Kalaipriya" userId="e2fc44d1-af49-4044-9dcd-2416851503a8" providerId="ADAL" clId="{464534A9-3BEB-4EE7-A02D-9C07002456BC}" dt="2023-04-04T08:08:15.996" v="20" actId="1076"/>
+        <pc:sldMkLst>
+          <pc:docMk/>
+          <pc:sldMk cId="959168427" sldId="256"/>
+        </pc:sldMkLst>
+        <pc:picChg chg="add mod">
+          <ac:chgData name="Kannan, Kalaipriya" userId="e2fc44d1-af49-4044-9dcd-2416851503a8" providerId="ADAL" clId="{464534A9-3BEB-4EE7-A02D-9C07002456BC}" dt="2023-04-04T08:08:08.496" v="18"/>
+          <ac:picMkLst>
+            <pc:docMk/>
+            <pc:sldMk cId="959168427" sldId="256"/>
+            <ac:picMk id="2" creationId="{CCCE0F0F-E0C1-882C-27E3-5AE710980EDC}"/>
+          </ac:picMkLst>
+        </pc:picChg>
+        <pc:picChg chg="add mod">
+          <ac:chgData name="Kannan, Kalaipriya" userId="e2fc44d1-af49-4044-9dcd-2416851503a8" providerId="ADAL" clId="{464534A9-3BEB-4EE7-A02D-9C07002456BC}" dt="2023-04-04T08:08:15.996" v="20" actId="1076"/>
+          <ac:picMkLst>
+            <pc:docMk/>
+            <pc:sldMk cId="959168427" sldId="256"/>
+            <ac:picMk id="3" creationId="{0182A876-FAD5-DDA2-8D4B-69A67C66BDFB}"/>
+          </ac:picMkLst>
+        </pc:picChg>
+        <pc:picChg chg="mod">
+          <ac:chgData name="Kannan, Kalaipriya" userId="e2fc44d1-af49-4044-9dcd-2416851503a8" providerId="ADAL" clId="{464534A9-3BEB-4EE7-A02D-9C07002456BC}" dt="2023-04-04T08:04:28.646" v="0" actId="1076"/>
+          <ac:picMkLst>
+            <pc:docMk/>
+            <pc:sldMk cId="959168427" sldId="256"/>
+            <ac:picMk id="15" creationId="{D4BBB942-4334-0C98-F074-1180B2F87C2E}"/>
+          </ac:picMkLst>
+        </pc:picChg>
+      </pc:sldChg>
+      <pc:sldChg chg="modSp mod">
+        <pc:chgData name="Kannan, Kalaipriya" userId="e2fc44d1-af49-4044-9dcd-2416851503a8" providerId="ADAL" clId="{464534A9-3BEB-4EE7-A02D-9C07002456BC}" dt="2023-04-04T08:08:48.533" v="22" actId="1076"/>
+        <pc:sldMkLst>
+          <pc:docMk/>
+          <pc:sldMk cId="2310038012" sldId="257"/>
+        </pc:sldMkLst>
+        <pc:picChg chg="mod">
+          <ac:chgData name="Kannan, Kalaipriya" userId="e2fc44d1-af49-4044-9dcd-2416851503a8" providerId="ADAL" clId="{464534A9-3BEB-4EE7-A02D-9C07002456BC}" dt="2023-04-04T08:08:48.533" v="22" actId="1076"/>
+          <ac:picMkLst>
+            <pc:docMk/>
+            <pc:sldMk cId="2310038012" sldId="257"/>
+            <ac:picMk id="14" creationId="{4F36C418-AEAE-C723-4100-A1BFFC231299}"/>
+          </ac:picMkLst>
+        </pc:picChg>
+      </pc:sldChg>
+      <pc:sldChg chg="addSp modSp mod">
+        <pc:chgData name="Kannan, Kalaipriya" userId="e2fc44d1-af49-4044-9dcd-2416851503a8" providerId="ADAL" clId="{464534A9-3BEB-4EE7-A02D-9C07002456BC}" dt="2023-04-04T08:07:02.013" v="17" actId="14100"/>
+        <pc:sldMkLst>
+          <pc:docMk/>
+          <pc:sldMk cId="3849275348" sldId="258"/>
+        </pc:sldMkLst>
+        <pc:picChg chg="add mod">
+          <ac:chgData name="Kannan, Kalaipriya" userId="e2fc44d1-af49-4044-9dcd-2416851503a8" providerId="ADAL" clId="{464534A9-3BEB-4EE7-A02D-9C07002456BC}" dt="2023-04-04T08:07:02.013" v="17" actId="14100"/>
+          <ac:picMkLst>
+            <pc:docMk/>
+            <pc:sldMk cId="3849275348" sldId="258"/>
+            <ac:picMk id="4" creationId="{F6729985-7AE4-0D2E-1CE8-FC7552448937}"/>
+          </ac:picMkLst>
+        </pc:picChg>
+        <pc:picChg chg="add mod">
+          <ac:chgData name="Kannan, Kalaipriya" userId="e2fc44d1-af49-4044-9dcd-2416851503a8" providerId="ADAL" clId="{464534A9-3BEB-4EE7-A02D-9C07002456BC}" dt="2023-04-04T08:05:52.443" v="10" actId="14100"/>
+          <ac:picMkLst>
+            <pc:docMk/>
+            <pc:sldMk cId="3849275348" sldId="258"/>
+            <ac:picMk id="6" creationId="{D0B732EF-A00D-B1CE-A7CA-C80B4006F231}"/>
+          </ac:picMkLst>
+        </pc:picChg>
+      </pc:sldChg>
+      <pc:sldChg chg="add del">
+        <pc:chgData name="Kannan, Kalaipriya" userId="e2fc44d1-af49-4044-9dcd-2416851503a8" providerId="ADAL" clId="{464534A9-3BEB-4EE7-A02D-9C07002456BC}" dt="2023-04-04T08:09:40.679" v="24" actId="2890"/>
+        <pc:sldMkLst>
+          <pc:docMk/>
+          <pc:sldMk cId="641046176" sldId="259"/>
+        </pc:sldMkLst>
+      </pc:sldChg>
+    </pc:docChg>
+  </pc:docChgLst>
+</pc:chgInfo>
 </file>
 
 <file path=ppt/slideLayouts/slideLayout1.xml><?xml version="1.0" encoding="utf-8"?>
@@ -3422,8 +3525,68 @@
         </p:blipFill>
         <p:spPr>
           <a:xfrm>
-            <a:off x="-145446" y="116073"/>
+            <a:off x="-95693" y="116074"/>
             <a:ext cx="2494839" cy="4413397"/>
+          </a:xfrm>
+          <a:prstGeom prst="rect">
+            <a:avLst/>
+          </a:prstGeom>
+        </p:spPr>
+      </p:pic>
+      <p:pic>
+        <p:nvPicPr>
+          <p:cNvPr id="2" name="Picture 1">
+            <a:extLst>
+              <a:ext uri="{FF2B5EF4-FFF2-40B4-BE49-F238E27FC236}">
+                <a16:creationId xmlns:a16="http://schemas.microsoft.com/office/drawing/2014/main" id="{CCCE0F0F-E0C1-882C-27E3-5AE710980EDC}"/>
+              </a:ext>
+            </a:extLst>
+          </p:cNvPr>
+          <p:cNvPicPr>
+            <a:picLocks noChangeAspect="1"/>
+          </p:cNvPicPr>
+          <p:nvPr/>
+        </p:nvPicPr>
+        <p:blipFill>
+          <a:blip r:embed="rId4"/>
+          <a:stretch>
+            <a:fillRect/>
+          </a:stretch>
+        </p:blipFill>
+        <p:spPr>
+          <a:xfrm>
+            <a:off x="-100100" y="116959"/>
+            <a:ext cx="2472803" cy="639500"/>
+          </a:xfrm>
+          <a:prstGeom prst="rect">
+            <a:avLst/>
+          </a:prstGeom>
+        </p:spPr>
+      </p:pic>
+      <p:pic>
+        <p:nvPicPr>
+          <p:cNvPr id="3" name="Picture 2">
+            <a:extLst>
+              <a:ext uri="{FF2B5EF4-FFF2-40B4-BE49-F238E27FC236}">
+                <a16:creationId xmlns:a16="http://schemas.microsoft.com/office/drawing/2014/main" id="{0182A876-FAD5-DDA2-8D4B-69A67C66BDFB}"/>
+              </a:ext>
+            </a:extLst>
+          </p:cNvPr>
+          <p:cNvPicPr>
+            <a:picLocks noChangeAspect="1"/>
+          </p:cNvPicPr>
+          <p:nvPr/>
+        </p:nvPicPr>
+        <p:blipFill>
+          <a:blip r:embed="rId4"/>
+          <a:stretch>
+            <a:fillRect/>
+          </a:stretch>
+        </p:blipFill>
+        <p:spPr>
+          <a:xfrm>
+            <a:off x="9776776" y="367711"/>
+            <a:ext cx="2472803" cy="639500"/>
           </a:xfrm>
           <a:prstGeom prst="rect">
             <a:avLst/>
@@ -3585,6 +3748,66 @@
           </a:extLst>
         </p:spPr>
       </p:pic>
+      <p:pic>
+        <p:nvPicPr>
+          <p:cNvPr id="4" name="Picture 3">
+            <a:extLst>
+              <a:ext uri="{FF2B5EF4-FFF2-40B4-BE49-F238E27FC236}">
+                <a16:creationId xmlns:a16="http://schemas.microsoft.com/office/drawing/2014/main" id="{F6729985-7AE4-0D2E-1CE8-FC7552448937}"/>
+              </a:ext>
+            </a:extLst>
+          </p:cNvPr>
+          <p:cNvPicPr>
+            <a:picLocks noChangeAspect="1"/>
+          </p:cNvPicPr>
+          <p:nvPr/>
+        </p:nvPicPr>
+        <p:blipFill>
+          <a:blip r:embed="rId4"/>
+          <a:stretch>
+            <a:fillRect/>
+          </a:stretch>
+        </p:blipFill>
+        <p:spPr>
+          <a:xfrm>
+            <a:off x="-100100" y="116959"/>
+            <a:ext cx="2472803" cy="639500"/>
+          </a:xfrm>
+          <a:prstGeom prst="rect">
+            <a:avLst/>
+          </a:prstGeom>
+        </p:spPr>
+      </p:pic>
+      <p:pic>
+        <p:nvPicPr>
+          <p:cNvPr id="6" name="Picture 5">
+            <a:extLst>
+              <a:ext uri="{FF2B5EF4-FFF2-40B4-BE49-F238E27FC236}">
+                <a16:creationId xmlns:a16="http://schemas.microsoft.com/office/drawing/2014/main" id="{D0B732EF-A00D-B1CE-A7CA-C80B4006F231}"/>
+              </a:ext>
+            </a:extLst>
+          </p:cNvPr>
+          <p:cNvPicPr>
+            <a:picLocks noChangeAspect="1"/>
+          </p:cNvPicPr>
+          <p:nvPr/>
+        </p:nvPicPr>
+        <p:blipFill>
+          <a:blip r:embed="rId4"/>
+          <a:stretch>
+            <a:fillRect/>
+          </a:stretch>
+        </p:blipFill>
+        <p:spPr>
+          <a:xfrm>
+            <a:off x="9816440" y="396949"/>
+            <a:ext cx="2486025" cy="608892"/>
+          </a:xfrm>
+          <a:prstGeom prst="rect">
+            <a:avLst/>
+          </a:prstGeom>
+        </p:spPr>
+      </p:pic>
     </p:spTree>
     <p:extLst>
       <p:ext uri="{BB962C8B-B14F-4D97-AF65-F5344CB8AC3E}">
@@ -3753,7 +3976,7 @@
         </p:blipFill>
         <p:spPr>
           <a:xfrm>
-            <a:off x="-95694" y="116958"/>
+            <a:off x="-95693" y="116547"/>
             <a:ext cx="2494839" cy="4492257"/>
           </a:xfrm>
           <a:prstGeom prst="rect">
